--- a/exercise5/Exercise5.pptx
+++ b/exercise5/Exercise5.pptx
@@ -5,7 +5,7 @@
     <p:sldMasterId id="2147483648" r:id="rId1"/>
   </p:sldMasterIdLst>
   <p:notesMasterIdLst>
-    <p:notesMasterId r:id="rId14"/>
+    <p:notesMasterId r:id="rId15"/>
   </p:notesMasterIdLst>
   <p:sldIdLst>
     <p:sldId id="257" r:id="rId2"/>
@@ -20,6 +20,7 @@
     <p:sldId id="272" r:id="rId11"/>
     <p:sldId id="269" r:id="rId12"/>
     <p:sldId id="268" r:id="rId13"/>
+    <p:sldId id="273" r:id="rId14"/>
   </p:sldIdLst>
   <p:sldSz cx="12192000" cy="6858000"/>
   <p:notesSz cx="6858000" cy="9144000"/>
@@ -12242,6 +12243,1955 @@
 </p:sld>
 </file>
 
+<file path=ppt/slides/slide13.xml><?xml version="1.0" encoding="utf-8"?>
+<p:sld xmlns:a="http://schemas.openxmlformats.org/drawingml/2006/main" xmlns:r="http://schemas.openxmlformats.org/officeDocument/2006/relationships" xmlns:p="http://schemas.openxmlformats.org/presentationml/2006/main">
+  <p:cSld>
+    <p:spTree>
+      <p:nvGrpSpPr>
+        <p:cNvPr id="1" name="">
+          <a:extLst>
+            <a:ext uri="{FF2B5EF4-FFF2-40B4-BE49-F238E27FC236}">
+              <a16:creationId xmlns:a16="http://schemas.microsoft.com/office/drawing/2014/main" id="{151ABF68-7489-0F4D-94C0-344F61F23F69}"/>
+            </a:ext>
+          </a:extLst>
+        </p:cNvPr>
+        <p:cNvGrpSpPr/>
+        <p:nvPr/>
+      </p:nvGrpSpPr>
+      <p:grpSpPr>
+        <a:xfrm>
+          <a:off x="0" y="0"/>
+          <a:ext cx="0" cy="0"/>
+          <a:chOff x="0" y="0"/>
+          <a:chExt cx="0" cy="0"/>
+        </a:xfrm>
+      </p:grpSpPr>
+      <p:sp>
+        <p:nvSpPr>
+          <p:cNvPr id="2" name="Title 1">
+            <a:extLst>
+              <a:ext uri="{FF2B5EF4-FFF2-40B4-BE49-F238E27FC236}">
+                <a16:creationId xmlns:a16="http://schemas.microsoft.com/office/drawing/2014/main" id="{2617E8E4-9011-86E4-CDEC-6F2FB6AFB8B8}"/>
+              </a:ext>
+            </a:extLst>
+          </p:cNvPr>
+          <p:cNvSpPr>
+            <a:spLocks noGrp="1"/>
+          </p:cNvSpPr>
+          <p:nvPr>
+            <p:ph type="title"/>
+          </p:nvPr>
+        </p:nvSpPr>
+        <p:spPr/>
+        <p:txBody>
+          <a:bodyPr/>
+          <a:lstStyle/>
+          <a:p>
+            <a:r>
+              <a:rPr lang="en-PH" b="1" dirty="0"/>
+              <a:t>Example Episode: </a:t>
+            </a:r>
+            <a:r>
+              <a:rPr lang="en-PH" b="1"/>
+              <a:t>Player Wins</a:t>
+            </a:r>
+            <a:endParaRPr lang="en-PH" b="1" dirty="0"/>
+          </a:p>
+        </p:txBody>
+      </p:sp>
+      <mc:AlternateContent xmlns:mc="http://schemas.openxmlformats.org/markup-compatibility/2006">
+        <mc:Choice xmlns:a14="http://schemas.microsoft.com/office/drawing/2010/main" Requires="a14">
+          <p:graphicFrame>
+            <p:nvGraphicFramePr>
+              <p:cNvPr id="4" name="Content Placeholder 3">
+                <a:extLst>
+                  <a:ext uri="{FF2B5EF4-FFF2-40B4-BE49-F238E27FC236}">
+                    <a16:creationId xmlns:a16="http://schemas.microsoft.com/office/drawing/2014/main" id="{978CEC2D-4984-F6D2-565B-D435F2B6E9CC}"/>
+                  </a:ext>
+                </a:extLst>
+              </p:cNvPr>
+              <p:cNvGraphicFramePr>
+                <a:graphicFrameLocks noGrp="1"/>
+              </p:cNvGraphicFramePr>
+              <p:nvPr>
+                <p:ph idx="1"/>
+              </p:nvPr>
+            </p:nvGraphicFramePr>
+            <p:xfrm>
+              <a:off x="838200" y="2674069"/>
+              <a:ext cx="10515600" cy="1645920"/>
+            </p:xfrm>
+            <a:graphic>
+              <a:graphicData uri="http://schemas.openxmlformats.org/drawingml/2006/table">
+                <a:tbl>
+                  <a:tblPr/>
+                  <a:tblGrid>
+                    <a:gridCol w="2103120">
+                      <a:extLst>
+                        <a:ext uri="{9D8B030D-6E8A-4147-A177-3AD203B41FA5}">
+                          <a16:colId xmlns:a16="http://schemas.microsoft.com/office/drawing/2014/main" val="504505912"/>
+                        </a:ext>
+                      </a:extLst>
+                    </a:gridCol>
+                    <a:gridCol w="2103120">
+                      <a:extLst>
+                        <a:ext uri="{9D8B030D-6E8A-4147-A177-3AD203B41FA5}">
+                          <a16:colId xmlns:a16="http://schemas.microsoft.com/office/drawing/2014/main" val="2783145166"/>
+                        </a:ext>
+                      </a:extLst>
+                    </a:gridCol>
+                    <a:gridCol w="2103120">
+                      <a:extLst>
+                        <a:ext uri="{9D8B030D-6E8A-4147-A177-3AD203B41FA5}">
+                          <a16:colId xmlns:a16="http://schemas.microsoft.com/office/drawing/2014/main" val="2111872638"/>
+                        </a:ext>
+                      </a:extLst>
+                    </a:gridCol>
+                    <a:gridCol w="2103120">
+                      <a:extLst>
+                        <a:ext uri="{9D8B030D-6E8A-4147-A177-3AD203B41FA5}">
+                          <a16:colId xmlns:a16="http://schemas.microsoft.com/office/drawing/2014/main" val="1276926268"/>
+                        </a:ext>
+                      </a:extLst>
+                    </a:gridCol>
+                    <a:gridCol w="2103120">
+                      <a:extLst>
+                        <a:ext uri="{9D8B030D-6E8A-4147-A177-3AD203B41FA5}">
+                          <a16:colId xmlns:a16="http://schemas.microsoft.com/office/drawing/2014/main" val="1499157711"/>
+                        </a:ext>
+                      </a:extLst>
+                    </a:gridCol>
+                  </a:tblGrid>
+                  <a:tr h="0">
+                    <a:tc>
+                      <a:txBody>
+                        <a:bodyPr/>
+                        <a:lstStyle/>
+                        <a:p>
+                          <a:pPr algn="ctr">
+                            <a:buNone/>
+                          </a:pPr>
+                          <a:r>
+                            <a:rPr lang="en-PH" b="1">
+                              <a:solidFill>
+                                <a:schemeClr val="bg1"/>
+                              </a:solidFill>
+                            </a:rPr>
+                            <a:t>Step</a:t>
+                          </a:r>
+                        </a:p>
+                      </a:txBody>
+                      <a:tcPr anchor="ctr">
+                        <a:lnL w="12700" cap="flat" cmpd="sng" algn="ctr">
+                          <a:solidFill>
+                            <a:schemeClr val="tx1"/>
+                          </a:solidFill>
+                          <a:prstDash val="solid"/>
+                          <a:round/>
+                          <a:headEnd type="none" w="med" len="med"/>
+                          <a:tailEnd type="none" w="med" len="med"/>
+                        </a:lnL>
+                        <a:lnR w="12700" cap="flat" cmpd="sng" algn="ctr">
+                          <a:solidFill>
+                            <a:schemeClr val="tx1"/>
+                          </a:solidFill>
+                          <a:prstDash val="solid"/>
+                          <a:round/>
+                          <a:headEnd type="none" w="med" len="med"/>
+                          <a:tailEnd type="none" w="med" len="med"/>
+                        </a:lnR>
+                        <a:lnT w="12700" cap="flat" cmpd="sng" algn="ctr">
+                          <a:solidFill>
+                            <a:schemeClr val="tx1"/>
+                          </a:solidFill>
+                          <a:prstDash val="solid"/>
+                          <a:round/>
+                          <a:headEnd type="none" w="med" len="med"/>
+                          <a:tailEnd type="none" w="med" len="med"/>
+                        </a:lnT>
+                        <a:lnB w="12700" cap="flat" cmpd="sng" algn="ctr">
+                          <a:solidFill>
+                            <a:schemeClr val="tx1"/>
+                          </a:solidFill>
+                          <a:prstDash val="solid"/>
+                          <a:round/>
+                          <a:headEnd type="none" w="med" len="med"/>
+                          <a:tailEnd type="none" w="med" len="med"/>
+                        </a:lnB>
+                        <a:solidFill>
+                          <a:schemeClr val="tx1"/>
+                        </a:solidFill>
+                      </a:tcPr>
+                    </a:tc>
+                    <a:tc>
+                      <a:txBody>
+                        <a:bodyPr/>
+                        <a:lstStyle/>
+                        <a:p>
+                          <a:pPr algn="ctr">
+                            <a:buNone/>
+                          </a:pPr>
+                          <a:r>
+                            <a:rPr lang="en-US" b="1">
+                              <a:solidFill>
+                                <a:schemeClr val="bg1"/>
+                              </a:solidFill>
+                            </a:rPr>
+                            <a:t>State (Player Sum, Dealer, Usable Ace)</a:t>
+                          </a:r>
+                        </a:p>
+                      </a:txBody>
+                      <a:tcPr anchor="ctr">
+                        <a:lnL w="12700" cap="flat" cmpd="sng" algn="ctr">
+                          <a:solidFill>
+                            <a:schemeClr val="tx1"/>
+                          </a:solidFill>
+                          <a:prstDash val="solid"/>
+                          <a:round/>
+                          <a:headEnd type="none" w="med" len="med"/>
+                          <a:tailEnd type="none" w="med" len="med"/>
+                        </a:lnL>
+                        <a:lnR w="12700" cap="flat" cmpd="sng" algn="ctr">
+                          <a:solidFill>
+                            <a:schemeClr val="tx1"/>
+                          </a:solidFill>
+                          <a:prstDash val="solid"/>
+                          <a:round/>
+                          <a:headEnd type="none" w="med" len="med"/>
+                          <a:tailEnd type="none" w="med" len="med"/>
+                        </a:lnR>
+                        <a:lnT w="12700" cap="flat" cmpd="sng" algn="ctr">
+                          <a:solidFill>
+                            <a:schemeClr val="tx1"/>
+                          </a:solidFill>
+                          <a:prstDash val="solid"/>
+                          <a:round/>
+                          <a:headEnd type="none" w="med" len="med"/>
+                          <a:tailEnd type="none" w="med" len="med"/>
+                        </a:lnT>
+                        <a:lnB w="12700" cap="flat" cmpd="sng" algn="ctr">
+                          <a:solidFill>
+                            <a:schemeClr val="tx1"/>
+                          </a:solidFill>
+                          <a:prstDash val="solid"/>
+                          <a:round/>
+                          <a:headEnd type="none" w="med" len="med"/>
+                          <a:tailEnd type="none" w="med" len="med"/>
+                        </a:lnB>
+                        <a:solidFill>
+                          <a:schemeClr val="tx1"/>
+                        </a:solidFill>
+                      </a:tcPr>
+                    </a:tc>
+                    <a:tc>
+                      <a:txBody>
+                        <a:bodyPr/>
+                        <a:lstStyle/>
+                        <a:p>
+                          <a:pPr algn="ctr">
+                            <a:buNone/>
+                          </a:pPr>
+                          <a:r>
+                            <a:rPr lang="en-PH" b="1" dirty="0">
+                              <a:solidFill>
+                                <a:srgbClr val="FF0000"/>
+                              </a:solidFill>
+                            </a:rPr>
+                            <a:t>Action </a:t>
+                          </a:r>
+                          <a14:m>
+                            <m:oMath xmlns:m="http://schemas.openxmlformats.org/officeDocument/2006/math">
+                              <m:r>
+                                <a:rPr lang="en-PH" b="1" i="1" dirty="0" smtClean="0">
+                                  <a:solidFill>
+                                    <a:srgbClr val="FF0000"/>
+                                  </a:solidFill>
+                                  <a:latin typeface="Cambria Math" panose="02040503050406030204" pitchFamily="18" charset="0"/>
+                                </a:rPr>
+                                <m:t>𝑨</m:t>
+                              </m:r>
+                            </m:oMath>
+                          </a14:m>
+                          <a:endParaRPr lang="en-PH" b="1" dirty="0">
+                            <a:solidFill>
+                              <a:srgbClr val="FF0000"/>
+                            </a:solidFill>
+                          </a:endParaRPr>
+                        </a:p>
+                      </a:txBody>
+                      <a:tcPr anchor="ctr">
+                        <a:lnL w="12700" cap="flat" cmpd="sng" algn="ctr">
+                          <a:solidFill>
+                            <a:schemeClr val="tx1"/>
+                          </a:solidFill>
+                          <a:prstDash val="solid"/>
+                          <a:round/>
+                          <a:headEnd type="none" w="med" len="med"/>
+                          <a:tailEnd type="none" w="med" len="med"/>
+                        </a:lnL>
+                        <a:lnR w="12700" cap="flat" cmpd="sng" algn="ctr">
+                          <a:solidFill>
+                            <a:schemeClr val="tx1"/>
+                          </a:solidFill>
+                          <a:prstDash val="solid"/>
+                          <a:round/>
+                          <a:headEnd type="none" w="med" len="med"/>
+                          <a:tailEnd type="none" w="med" len="med"/>
+                        </a:lnR>
+                        <a:lnT w="12700" cap="flat" cmpd="sng" algn="ctr">
+                          <a:solidFill>
+                            <a:schemeClr val="tx1"/>
+                          </a:solidFill>
+                          <a:prstDash val="solid"/>
+                          <a:round/>
+                          <a:headEnd type="none" w="med" len="med"/>
+                          <a:tailEnd type="none" w="med" len="med"/>
+                        </a:lnT>
+                        <a:lnB w="12700" cap="flat" cmpd="sng" algn="ctr">
+                          <a:solidFill>
+                            <a:schemeClr val="tx1"/>
+                          </a:solidFill>
+                          <a:prstDash val="solid"/>
+                          <a:round/>
+                          <a:headEnd type="none" w="med" len="med"/>
+                          <a:tailEnd type="none" w="med" len="med"/>
+                        </a:lnB>
+                        <a:solidFill>
+                          <a:schemeClr val="tx1"/>
+                        </a:solidFill>
+                      </a:tcPr>
+                    </a:tc>
+                    <a:tc>
+                      <a:txBody>
+                        <a:bodyPr/>
+                        <a:lstStyle/>
+                        <a:p>
+                          <a:pPr algn="ctr">
+                            <a:buNone/>
+                          </a:pPr>
+                          <a:r>
+                            <a:rPr lang="en-PH" b="1" dirty="0">
+                              <a:solidFill>
+                                <a:srgbClr val="FFC000"/>
+                              </a:solidFill>
+                            </a:rPr>
+                            <a:t>Reward </a:t>
+                          </a:r>
+                          <a14:m>
+                            <m:oMath xmlns:m="http://schemas.openxmlformats.org/officeDocument/2006/math">
+                              <m:r>
+                                <a:rPr lang="en-PH" b="1" i="1" dirty="0" smtClean="0">
+                                  <a:solidFill>
+                                    <a:srgbClr val="FFC000"/>
+                                  </a:solidFill>
+                                  <a:latin typeface="Cambria Math" panose="02040503050406030204" pitchFamily="18" charset="0"/>
+                                </a:rPr>
+                                <m:t>𝑮</m:t>
+                              </m:r>
+                            </m:oMath>
+                          </a14:m>
+                          <a:endParaRPr lang="en-PH" b="1" dirty="0">
+                            <a:solidFill>
+                              <a:schemeClr val="bg1"/>
+                            </a:solidFill>
+                          </a:endParaRPr>
+                        </a:p>
+                      </a:txBody>
+                      <a:tcPr anchor="ctr">
+                        <a:lnL w="12700" cap="flat" cmpd="sng" algn="ctr">
+                          <a:solidFill>
+                            <a:schemeClr val="tx1"/>
+                          </a:solidFill>
+                          <a:prstDash val="solid"/>
+                          <a:round/>
+                          <a:headEnd type="none" w="med" len="med"/>
+                          <a:tailEnd type="none" w="med" len="med"/>
+                        </a:lnL>
+                        <a:lnR w="12700" cap="flat" cmpd="sng" algn="ctr">
+                          <a:solidFill>
+                            <a:schemeClr val="tx1"/>
+                          </a:solidFill>
+                          <a:prstDash val="solid"/>
+                          <a:round/>
+                          <a:headEnd type="none" w="med" len="med"/>
+                          <a:tailEnd type="none" w="med" len="med"/>
+                        </a:lnR>
+                        <a:lnT w="12700" cap="flat" cmpd="sng" algn="ctr">
+                          <a:solidFill>
+                            <a:schemeClr val="tx1"/>
+                          </a:solidFill>
+                          <a:prstDash val="solid"/>
+                          <a:round/>
+                          <a:headEnd type="none" w="med" len="med"/>
+                          <a:tailEnd type="none" w="med" len="med"/>
+                        </a:lnT>
+                        <a:lnB w="12700" cap="flat" cmpd="sng" algn="ctr">
+                          <a:solidFill>
+                            <a:schemeClr val="tx1"/>
+                          </a:solidFill>
+                          <a:prstDash val="solid"/>
+                          <a:round/>
+                          <a:headEnd type="none" w="med" len="med"/>
+                          <a:tailEnd type="none" w="med" len="med"/>
+                        </a:lnB>
+                        <a:solidFill>
+                          <a:schemeClr val="tx1"/>
+                        </a:solidFill>
+                      </a:tcPr>
+                    </a:tc>
+                    <a:tc>
+                      <a:txBody>
+                        <a:bodyPr/>
+                        <a:lstStyle/>
+                        <a:p>
+                          <a:pPr algn="ctr">
+                            <a:buNone/>
+                          </a:pPr>
+                          <a:r>
+                            <a:rPr lang="en-PH" b="1" dirty="0">
+                              <a:solidFill>
+                                <a:schemeClr val="bg1"/>
+                              </a:solidFill>
+                            </a:rPr>
+                            <a:t>Next State</a:t>
+                          </a:r>
+                        </a:p>
+                      </a:txBody>
+                      <a:tcPr anchor="ctr">
+                        <a:lnL w="12700" cap="flat" cmpd="sng" algn="ctr">
+                          <a:solidFill>
+                            <a:schemeClr val="tx1"/>
+                          </a:solidFill>
+                          <a:prstDash val="solid"/>
+                          <a:round/>
+                          <a:headEnd type="none" w="med" len="med"/>
+                          <a:tailEnd type="none" w="med" len="med"/>
+                        </a:lnL>
+                        <a:lnR w="12700" cap="flat" cmpd="sng" algn="ctr">
+                          <a:solidFill>
+                            <a:schemeClr val="tx1"/>
+                          </a:solidFill>
+                          <a:prstDash val="solid"/>
+                          <a:round/>
+                          <a:headEnd type="none" w="med" len="med"/>
+                          <a:tailEnd type="none" w="med" len="med"/>
+                        </a:lnR>
+                        <a:lnT w="12700" cap="flat" cmpd="sng" algn="ctr">
+                          <a:solidFill>
+                            <a:schemeClr val="tx1"/>
+                          </a:solidFill>
+                          <a:prstDash val="solid"/>
+                          <a:round/>
+                          <a:headEnd type="none" w="med" len="med"/>
+                          <a:tailEnd type="none" w="med" len="med"/>
+                        </a:lnT>
+                        <a:lnB w="12700" cap="flat" cmpd="sng" algn="ctr">
+                          <a:solidFill>
+                            <a:schemeClr val="tx1"/>
+                          </a:solidFill>
+                          <a:prstDash val="solid"/>
+                          <a:round/>
+                          <a:headEnd type="none" w="med" len="med"/>
+                          <a:tailEnd type="none" w="med" len="med"/>
+                        </a:lnB>
+                        <a:solidFill>
+                          <a:schemeClr val="tx1"/>
+                        </a:solidFill>
+                      </a:tcPr>
+                    </a:tc>
+                    <a:extLst>
+                      <a:ext uri="{0D108BD9-81ED-4DB2-BD59-A6C34878D82A}">
+                        <a16:rowId xmlns:a16="http://schemas.microsoft.com/office/drawing/2014/main" val="1096789719"/>
+                      </a:ext>
+                    </a:extLst>
+                  </a:tr>
+                  <a:tr h="0">
+                    <a:tc>
+                      <a:txBody>
+                        <a:bodyPr/>
+                        <a:lstStyle/>
+                        <a:p>
+                          <a:pPr algn="ctr">
+                            <a:buNone/>
+                          </a:pPr>
+                          <a:r>
+                            <a:rPr lang="en-PH"/>
+                            <a:t>1</a:t>
+                          </a:r>
+                        </a:p>
+                      </a:txBody>
+                      <a:tcPr anchor="ctr">
+                        <a:lnL w="12700" cap="flat" cmpd="sng" algn="ctr">
+                          <a:solidFill>
+                            <a:schemeClr val="tx1"/>
+                          </a:solidFill>
+                          <a:prstDash val="solid"/>
+                          <a:round/>
+                          <a:headEnd type="none" w="med" len="med"/>
+                          <a:tailEnd type="none" w="med" len="med"/>
+                        </a:lnL>
+                        <a:lnR w="12700" cap="flat" cmpd="sng" algn="ctr">
+                          <a:solidFill>
+                            <a:schemeClr val="tx1"/>
+                          </a:solidFill>
+                          <a:prstDash val="solid"/>
+                          <a:round/>
+                          <a:headEnd type="none" w="med" len="med"/>
+                          <a:tailEnd type="none" w="med" len="med"/>
+                        </a:lnR>
+                        <a:lnT w="12700" cap="flat" cmpd="sng" algn="ctr">
+                          <a:solidFill>
+                            <a:schemeClr val="tx1"/>
+                          </a:solidFill>
+                          <a:prstDash val="solid"/>
+                          <a:round/>
+                          <a:headEnd type="none" w="med" len="med"/>
+                          <a:tailEnd type="none" w="med" len="med"/>
+                        </a:lnT>
+                        <a:lnB w="12700" cap="flat" cmpd="sng" algn="ctr">
+                          <a:solidFill>
+                            <a:schemeClr val="tx1"/>
+                          </a:solidFill>
+                          <a:prstDash val="solid"/>
+                          <a:round/>
+                          <a:headEnd type="none" w="med" len="med"/>
+                          <a:tailEnd type="none" w="med" len="med"/>
+                        </a:lnB>
+                        <a:noFill/>
+                      </a:tcPr>
+                    </a:tc>
+                    <a:tc>
+                      <a:txBody>
+                        <a:bodyPr/>
+                        <a:lstStyle/>
+                        <a:p>
+                          <a:pPr algn="ctr">
+                            <a:buNone/>
+                          </a:pPr>
+                          <a:r>
+                            <a:rPr lang="en-PH"/>
+                            <a:t>(15, 10, False)</a:t>
+                          </a:r>
+                        </a:p>
+                      </a:txBody>
+                      <a:tcPr anchor="ctr">
+                        <a:lnL w="12700" cap="flat" cmpd="sng" algn="ctr">
+                          <a:solidFill>
+                            <a:schemeClr val="tx1"/>
+                          </a:solidFill>
+                          <a:prstDash val="solid"/>
+                          <a:round/>
+                          <a:headEnd type="none" w="med" len="med"/>
+                          <a:tailEnd type="none" w="med" len="med"/>
+                        </a:lnL>
+                        <a:lnR w="12700" cap="flat" cmpd="sng" algn="ctr">
+                          <a:solidFill>
+                            <a:schemeClr val="tx1"/>
+                          </a:solidFill>
+                          <a:prstDash val="solid"/>
+                          <a:round/>
+                          <a:headEnd type="none" w="med" len="med"/>
+                          <a:tailEnd type="none" w="med" len="med"/>
+                        </a:lnR>
+                        <a:lnT w="12700" cap="flat" cmpd="sng" algn="ctr">
+                          <a:solidFill>
+                            <a:schemeClr val="tx1"/>
+                          </a:solidFill>
+                          <a:prstDash val="solid"/>
+                          <a:round/>
+                          <a:headEnd type="none" w="med" len="med"/>
+                          <a:tailEnd type="none" w="med" len="med"/>
+                        </a:lnT>
+                        <a:lnB w="12700" cap="flat" cmpd="sng" algn="ctr">
+                          <a:solidFill>
+                            <a:schemeClr val="tx1"/>
+                          </a:solidFill>
+                          <a:prstDash val="solid"/>
+                          <a:round/>
+                          <a:headEnd type="none" w="med" len="med"/>
+                          <a:tailEnd type="none" w="med" len="med"/>
+                        </a:lnB>
+                        <a:noFill/>
+                      </a:tcPr>
+                    </a:tc>
+                    <a:tc>
+                      <a:txBody>
+                        <a:bodyPr/>
+                        <a:lstStyle/>
+                        <a:p>
+                          <a:pPr algn="ctr">
+                            <a:buNone/>
+                          </a:pPr>
+                          <a:r>
+                            <a:rPr lang="en-PH"/>
+                            <a:t>Hit</a:t>
+                          </a:r>
+                        </a:p>
+                      </a:txBody>
+                      <a:tcPr anchor="ctr">
+                        <a:lnL w="12700" cap="flat" cmpd="sng" algn="ctr">
+                          <a:solidFill>
+                            <a:schemeClr val="tx1"/>
+                          </a:solidFill>
+                          <a:prstDash val="solid"/>
+                          <a:round/>
+                          <a:headEnd type="none" w="med" len="med"/>
+                          <a:tailEnd type="none" w="med" len="med"/>
+                        </a:lnL>
+                        <a:lnR w="12700" cap="flat" cmpd="sng" algn="ctr">
+                          <a:solidFill>
+                            <a:schemeClr val="tx1"/>
+                          </a:solidFill>
+                          <a:prstDash val="solid"/>
+                          <a:round/>
+                          <a:headEnd type="none" w="med" len="med"/>
+                          <a:tailEnd type="none" w="med" len="med"/>
+                        </a:lnR>
+                        <a:lnT w="12700" cap="flat" cmpd="sng" algn="ctr">
+                          <a:solidFill>
+                            <a:schemeClr val="tx1"/>
+                          </a:solidFill>
+                          <a:prstDash val="solid"/>
+                          <a:round/>
+                          <a:headEnd type="none" w="med" len="med"/>
+                          <a:tailEnd type="none" w="med" len="med"/>
+                        </a:lnT>
+                        <a:lnB w="12700" cap="flat" cmpd="sng" algn="ctr">
+                          <a:solidFill>
+                            <a:schemeClr val="tx1"/>
+                          </a:solidFill>
+                          <a:prstDash val="solid"/>
+                          <a:round/>
+                          <a:headEnd type="none" w="med" len="med"/>
+                          <a:tailEnd type="none" w="med" len="med"/>
+                        </a:lnB>
+                        <a:noFill/>
+                      </a:tcPr>
+                    </a:tc>
+                    <a:tc>
+                      <a:txBody>
+                        <a:bodyPr/>
+                        <a:lstStyle/>
+                        <a:p>
+                          <a:pPr algn="ctr">
+                            <a:buNone/>
+                          </a:pPr>
+                          <a:r>
+                            <a:rPr lang="en-PH"/>
+                            <a:t>0</a:t>
+                          </a:r>
+                        </a:p>
+                      </a:txBody>
+                      <a:tcPr anchor="ctr">
+                        <a:lnL w="12700" cap="flat" cmpd="sng" algn="ctr">
+                          <a:solidFill>
+                            <a:schemeClr val="tx1"/>
+                          </a:solidFill>
+                          <a:prstDash val="solid"/>
+                          <a:round/>
+                          <a:headEnd type="none" w="med" len="med"/>
+                          <a:tailEnd type="none" w="med" len="med"/>
+                        </a:lnL>
+                        <a:lnR w="12700" cap="flat" cmpd="sng" algn="ctr">
+                          <a:solidFill>
+                            <a:schemeClr val="tx1"/>
+                          </a:solidFill>
+                          <a:prstDash val="solid"/>
+                          <a:round/>
+                          <a:headEnd type="none" w="med" len="med"/>
+                          <a:tailEnd type="none" w="med" len="med"/>
+                        </a:lnR>
+                        <a:lnT w="12700" cap="flat" cmpd="sng" algn="ctr">
+                          <a:solidFill>
+                            <a:schemeClr val="tx1"/>
+                          </a:solidFill>
+                          <a:prstDash val="solid"/>
+                          <a:round/>
+                          <a:headEnd type="none" w="med" len="med"/>
+                          <a:tailEnd type="none" w="med" len="med"/>
+                        </a:lnT>
+                        <a:lnB w="12700" cap="flat" cmpd="sng" algn="ctr">
+                          <a:solidFill>
+                            <a:schemeClr val="tx1"/>
+                          </a:solidFill>
+                          <a:prstDash val="solid"/>
+                          <a:round/>
+                          <a:headEnd type="none" w="med" len="med"/>
+                          <a:tailEnd type="none" w="med" len="med"/>
+                        </a:lnB>
+                        <a:noFill/>
+                      </a:tcPr>
+                    </a:tc>
+                    <a:tc>
+                      <a:txBody>
+                        <a:bodyPr/>
+                        <a:lstStyle/>
+                        <a:p>
+                          <a:pPr algn="ctr">
+                            <a:buNone/>
+                          </a:pPr>
+                          <a:r>
+                            <a:rPr lang="en-PH"/>
+                            <a:t>(19, 10, F)</a:t>
+                          </a:r>
+                        </a:p>
+                      </a:txBody>
+                      <a:tcPr anchor="ctr">
+                        <a:lnL w="12700" cap="flat" cmpd="sng" algn="ctr">
+                          <a:solidFill>
+                            <a:schemeClr val="tx1"/>
+                          </a:solidFill>
+                          <a:prstDash val="solid"/>
+                          <a:round/>
+                          <a:headEnd type="none" w="med" len="med"/>
+                          <a:tailEnd type="none" w="med" len="med"/>
+                        </a:lnL>
+                        <a:lnR w="12700" cap="flat" cmpd="sng" algn="ctr">
+                          <a:solidFill>
+                            <a:schemeClr val="tx1"/>
+                          </a:solidFill>
+                          <a:prstDash val="solid"/>
+                          <a:round/>
+                          <a:headEnd type="none" w="med" len="med"/>
+                          <a:tailEnd type="none" w="med" len="med"/>
+                        </a:lnR>
+                        <a:lnT w="12700" cap="flat" cmpd="sng" algn="ctr">
+                          <a:solidFill>
+                            <a:schemeClr val="tx1"/>
+                          </a:solidFill>
+                          <a:prstDash val="solid"/>
+                          <a:round/>
+                          <a:headEnd type="none" w="med" len="med"/>
+                          <a:tailEnd type="none" w="med" len="med"/>
+                        </a:lnT>
+                        <a:lnB w="12700" cap="flat" cmpd="sng" algn="ctr">
+                          <a:solidFill>
+                            <a:schemeClr val="tx1"/>
+                          </a:solidFill>
+                          <a:prstDash val="solid"/>
+                          <a:round/>
+                          <a:headEnd type="none" w="med" len="med"/>
+                          <a:tailEnd type="none" w="med" len="med"/>
+                        </a:lnB>
+                        <a:noFill/>
+                      </a:tcPr>
+                    </a:tc>
+                    <a:extLst>
+                      <a:ext uri="{0D108BD9-81ED-4DB2-BD59-A6C34878D82A}">
+                        <a16:rowId xmlns:a16="http://schemas.microsoft.com/office/drawing/2014/main" val="2671781212"/>
+                      </a:ext>
+                    </a:extLst>
+                  </a:tr>
+                  <a:tr h="0">
+                    <a:tc>
+                      <a:txBody>
+                        <a:bodyPr/>
+                        <a:lstStyle/>
+                        <a:p>
+                          <a:pPr algn="ctr">
+                            <a:buNone/>
+                          </a:pPr>
+                          <a:r>
+                            <a:rPr lang="en-PH"/>
+                            <a:t>2</a:t>
+                          </a:r>
+                        </a:p>
+                      </a:txBody>
+                      <a:tcPr anchor="ctr">
+                        <a:lnL w="12700" cap="flat" cmpd="sng" algn="ctr">
+                          <a:solidFill>
+                            <a:schemeClr val="tx1"/>
+                          </a:solidFill>
+                          <a:prstDash val="solid"/>
+                          <a:round/>
+                          <a:headEnd type="none" w="med" len="med"/>
+                          <a:tailEnd type="none" w="med" len="med"/>
+                        </a:lnL>
+                        <a:lnR w="12700" cap="flat" cmpd="sng" algn="ctr">
+                          <a:solidFill>
+                            <a:schemeClr val="tx1"/>
+                          </a:solidFill>
+                          <a:prstDash val="solid"/>
+                          <a:round/>
+                          <a:headEnd type="none" w="med" len="med"/>
+                          <a:tailEnd type="none" w="med" len="med"/>
+                        </a:lnR>
+                        <a:lnT w="12700" cap="flat" cmpd="sng" algn="ctr">
+                          <a:solidFill>
+                            <a:schemeClr val="tx1"/>
+                          </a:solidFill>
+                          <a:prstDash val="solid"/>
+                          <a:round/>
+                          <a:headEnd type="none" w="med" len="med"/>
+                          <a:tailEnd type="none" w="med" len="med"/>
+                        </a:lnT>
+                        <a:lnB w="12700" cap="flat" cmpd="sng" algn="ctr">
+                          <a:solidFill>
+                            <a:schemeClr val="tx1"/>
+                          </a:solidFill>
+                          <a:prstDash val="solid"/>
+                          <a:round/>
+                          <a:headEnd type="none" w="med" len="med"/>
+                          <a:tailEnd type="none" w="med" len="med"/>
+                        </a:lnB>
+                        <a:noFill/>
+                      </a:tcPr>
+                    </a:tc>
+                    <a:tc>
+                      <a:txBody>
+                        <a:bodyPr/>
+                        <a:lstStyle/>
+                        <a:p>
+                          <a:pPr algn="ctr">
+                            <a:buNone/>
+                          </a:pPr>
+                          <a:r>
+                            <a:rPr lang="en-PH"/>
+                            <a:t>(19, 10, False)</a:t>
+                          </a:r>
+                        </a:p>
+                      </a:txBody>
+                      <a:tcPr anchor="ctr">
+                        <a:lnL w="12700" cap="flat" cmpd="sng" algn="ctr">
+                          <a:solidFill>
+                            <a:schemeClr val="tx1"/>
+                          </a:solidFill>
+                          <a:prstDash val="solid"/>
+                          <a:round/>
+                          <a:headEnd type="none" w="med" len="med"/>
+                          <a:tailEnd type="none" w="med" len="med"/>
+                        </a:lnL>
+                        <a:lnR w="12700" cap="flat" cmpd="sng" algn="ctr">
+                          <a:solidFill>
+                            <a:schemeClr val="tx1"/>
+                          </a:solidFill>
+                          <a:prstDash val="solid"/>
+                          <a:round/>
+                          <a:headEnd type="none" w="med" len="med"/>
+                          <a:tailEnd type="none" w="med" len="med"/>
+                        </a:lnR>
+                        <a:lnT w="12700" cap="flat" cmpd="sng" algn="ctr">
+                          <a:solidFill>
+                            <a:schemeClr val="tx1"/>
+                          </a:solidFill>
+                          <a:prstDash val="solid"/>
+                          <a:round/>
+                          <a:headEnd type="none" w="med" len="med"/>
+                          <a:tailEnd type="none" w="med" len="med"/>
+                        </a:lnT>
+                        <a:lnB w="12700" cap="flat" cmpd="sng" algn="ctr">
+                          <a:solidFill>
+                            <a:schemeClr val="tx1"/>
+                          </a:solidFill>
+                          <a:prstDash val="solid"/>
+                          <a:round/>
+                          <a:headEnd type="none" w="med" len="med"/>
+                          <a:tailEnd type="none" w="med" len="med"/>
+                        </a:lnB>
+                        <a:noFill/>
+                      </a:tcPr>
+                    </a:tc>
+                    <a:tc>
+                      <a:txBody>
+                        <a:bodyPr/>
+                        <a:lstStyle/>
+                        <a:p>
+                          <a:pPr algn="ctr">
+                            <a:buNone/>
+                          </a:pPr>
+                          <a:r>
+                            <a:rPr lang="en-PH"/>
+                            <a:t>Hit</a:t>
+                          </a:r>
+                        </a:p>
+                      </a:txBody>
+                      <a:tcPr anchor="ctr">
+                        <a:lnL w="12700" cap="flat" cmpd="sng" algn="ctr">
+                          <a:solidFill>
+                            <a:schemeClr val="tx1"/>
+                          </a:solidFill>
+                          <a:prstDash val="solid"/>
+                          <a:round/>
+                          <a:headEnd type="none" w="med" len="med"/>
+                          <a:tailEnd type="none" w="med" len="med"/>
+                        </a:lnL>
+                        <a:lnR w="12700" cap="flat" cmpd="sng" algn="ctr">
+                          <a:solidFill>
+                            <a:schemeClr val="tx1"/>
+                          </a:solidFill>
+                          <a:prstDash val="solid"/>
+                          <a:round/>
+                          <a:headEnd type="none" w="med" len="med"/>
+                          <a:tailEnd type="none" w="med" len="med"/>
+                        </a:lnR>
+                        <a:lnT w="12700" cap="flat" cmpd="sng" algn="ctr">
+                          <a:solidFill>
+                            <a:schemeClr val="tx1"/>
+                          </a:solidFill>
+                          <a:prstDash val="solid"/>
+                          <a:round/>
+                          <a:headEnd type="none" w="med" len="med"/>
+                          <a:tailEnd type="none" w="med" len="med"/>
+                        </a:lnT>
+                        <a:lnB w="12700" cap="flat" cmpd="sng" algn="ctr">
+                          <a:solidFill>
+                            <a:schemeClr val="tx1"/>
+                          </a:solidFill>
+                          <a:prstDash val="solid"/>
+                          <a:round/>
+                          <a:headEnd type="none" w="med" len="med"/>
+                          <a:tailEnd type="none" w="med" len="med"/>
+                        </a:lnB>
+                        <a:noFill/>
+                      </a:tcPr>
+                    </a:tc>
+                    <a:tc>
+                      <a:txBody>
+                        <a:bodyPr/>
+                        <a:lstStyle/>
+                        <a:p>
+                          <a:pPr algn="ctr">
+                            <a:buNone/>
+                          </a:pPr>
+                          <a:r>
+                            <a:rPr lang="en-PH"/>
+                            <a:t>–1</a:t>
+                          </a:r>
+                        </a:p>
+                      </a:txBody>
+                      <a:tcPr anchor="ctr">
+                        <a:lnL w="12700" cap="flat" cmpd="sng" algn="ctr">
+                          <a:solidFill>
+                            <a:schemeClr val="tx1"/>
+                          </a:solidFill>
+                          <a:prstDash val="solid"/>
+                          <a:round/>
+                          <a:headEnd type="none" w="med" len="med"/>
+                          <a:tailEnd type="none" w="med" len="med"/>
+                        </a:lnL>
+                        <a:lnR w="12700" cap="flat" cmpd="sng" algn="ctr">
+                          <a:solidFill>
+                            <a:schemeClr val="tx1"/>
+                          </a:solidFill>
+                          <a:prstDash val="solid"/>
+                          <a:round/>
+                          <a:headEnd type="none" w="med" len="med"/>
+                          <a:tailEnd type="none" w="med" len="med"/>
+                        </a:lnR>
+                        <a:lnT w="12700" cap="flat" cmpd="sng" algn="ctr">
+                          <a:solidFill>
+                            <a:schemeClr val="tx1"/>
+                          </a:solidFill>
+                          <a:prstDash val="solid"/>
+                          <a:round/>
+                          <a:headEnd type="none" w="med" len="med"/>
+                          <a:tailEnd type="none" w="med" len="med"/>
+                        </a:lnT>
+                        <a:lnB w="12700" cap="flat" cmpd="sng" algn="ctr">
+                          <a:solidFill>
+                            <a:schemeClr val="tx1"/>
+                          </a:solidFill>
+                          <a:prstDash val="solid"/>
+                          <a:round/>
+                          <a:headEnd type="none" w="med" len="med"/>
+                          <a:tailEnd type="none" w="med" len="med"/>
+                        </a:lnB>
+                        <a:noFill/>
+                      </a:tcPr>
+                    </a:tc>
+                    <a:tc>
+                      <a:txBody>
+                        <a:bodyPr/>
+                        <a:lstStyle/>
+                        <a:p>
+                          <a:pPr algn="ctr">
+                            <a:buNone/>
+                          </a:pPr>
+                          <a:r>
+                            <a:rPr lang="en-PH" dirty="0"/>
+                            <a:t>BUST</a:t>
+                          </a:r>
+                        </a:p>
+                      </a:txBody>
+                      <a:tcPr anchor="ctr">
+                        <a:lnL w="12700" cap="flat" cmpd="sng" algn="ctr">
+                          <a:solidFill>
+                            <a:schemeClr val="tx1"/>
+                          </a:solidFill>
+                          <a:prstDash val="solid"/>
+                          <a:round/>
+                          <a:headEnd type="none" w="med" len="med"/>
+                          <a:tailEnd type="none" w="med" len="med"/>
+                        </a:lnL>
+                        <a:lnR w="12700" cap="flat" cmpd="sng" algn="ctr">
+                          <a:solidFill>
+                            <a:schemeClr val="tx1"/>
+                          </a:solidFill>
+                          <a:prstDash val="solid"/>
+                          <a:round/>
+                          <a:headEnd type="none" w="med" len="med"/>
+                          <a:tailEnd type="none" w="med" len="med"/>
+                        </a:lnR>
+                        <a:lnT w="12700" cap="flat" cmpd="sng" algn="ctr">
+                          <a:solidFill>
+                            <a:schemeClr val="tx1"/>
+                          </a:solidFill>
+                          <a:prstDash val="solid"/>
+                          <a:round/>
+                          <a:headEnd type="none" w="med" len="med"/>
+                          <a:tailEnd type="none" w="med" len="med"/>
+                        </a:lnT>
+                        <a:lnB w="12700" cap="flat" cmpd="sng" algn="ctr">
+                          <a:solidFill>
+                            <a:schemeClr val="tx1"/>
+                          </a:solidFill>
+                          <a:prstDash val="solid"/>
+                          <a:round/>
+                          <a:headEnd type="none" w="med" len="med"/>
+                          <a:tailEnd type="none" w="med" len="med"/>
+                        </a:lnB>
+                        <a:noFill/>
+                      </a:tcPr>
+                    </a:tc>
+                    <a:extLst>
+                      <a:ext uri="{0D108BD9-81ED-4DB2-BD59-A6C34878D82A}">
+                        <a16:rowId xmlns:a16="http://schemas.microsoft.com/office/drawing/2014/main" val="3486677455"/>
+                      </a:ext>
+                    </a:extLst>
+                  </a:tr>
+                </a:tbl>
+              </a:graphicData>
+            </a:graphic>
+          </p:graphicFrame>
+        </mc:Choice>
+        <mc:Fallback>
+          <p:graphicFrame>
+            <p:nvGraphicFramePr>
+              <p:cNvPr id="4" name="Content Placeholder 3">
+                <a:extLst>
+                  <a:ext uri="{FF2B5EF4-FFF2-40B4-BE49-F238E27FC236}">
+                    <a16:creationId xmlns:a16="http://schemas.microsoft.com/office/drawing/2014/main" id="{978CEC2D-4984-F6D2-565B-D435F2B6E9CC}"/>
+                  </a:ext>
+                </a:extLst>
+              </p:cNvPr>
+              <p:cNvGraphicFramePr>
+                <a:graphicFrameLocks noGrp="1"/>
+              </p:cNvGraphicFramePr>
+              <p:nvPr>
+                <p:ph idx="1"/>
+              </p:nvPr>
+            </p:nvGraphicFramePr>
+            <p:xfrm>
+              <a:off x="838200" y="2674069"/>
+              <a:ext cx="10515600" cy="1645920"/>
+            </p:xfrm>
+            <a:graphic>
+              <a:graphicData uri="http://schemas.openxmlformats.org/drawingml/2006/table">
+                <a:tbl>
+                  <a:tblPr/>
+                  <a:tblGrid>
+                    <a:gridCol w="2103120">
+                      <a:extLst>
+                        <a:ext uri="{9D8B030D-6E8A-4147-A177-3AD203B41FA5}">
+                          <a16:colId xmlns:a16="http://schemas.microsoft.com/office/drawing/2014/main" val="504505912"/>
+                        </a:ext>
+                      </a:extLst>
+                    </a:gridCol>
+                    <a:gridCol w="2103120">
+                      <a:extLst>
+                        <a:ext uri="{9D8B030D-6E8A-4147-A177-3AD203B41FA5}">
+                          <a16:colId xmlns:a16="http://schemas.microsoft.com/office/drawing/2014/main" val="2783145166"/>
+                        </a:ext>
+                      </a:extLst>
+                    </a:gridCol>
+                    <a:gridCol w="2103120">
+                      <a:extLst>
+                        <a:ext uri="{9D8B030D-6E8A-4147-A177-3AD203B41FA5}">
+                          <a16:colId xmlns:a16="http://schemas.microsoft.com/office/drawing/2014/main" val="2111872638"/>
+                        </a:ext>
+                      </a:extLst>
+                    </a:gridCol>
+                    <a:gridCol w="2103120">
+                      <a:extLst>
+                        <a:ext uri="{9D8B030D-6E8A-4147-A177-3AD203B41FA5}">
+                          <a16:colId xmlns:a16="http://schemas.microsoft.com/office/drawing/2014/main" val="1276926268"/>
+                        </a:ext>
+                      </a:extLst>
+                    </a:gridCol>
+                    <a:gridCol w="2103120">
+                      <a:extLst>
+                        <a:ext uri="{9D8B030D-6E8A-4147-A177-3AD203B41FA5}">
+                          <a16:colId xmlns:a16="http://schemas.microsoft.com/office/drawing/2014/main" val="1499157711"/>
+                        </a:ext>
+                      </a:extLst>
+                    </a:gridCol>
+                  </a:tblGrid>
+                  <a:tr h="914400">
+                    <a:tc>
+                      <a:txBody>
+                        <a:bodyPr/>
+                        <a:lstStyle/>
+                        <a:p>
+                          <a:pPr algn="ctr">
+                            <a:buNone/>
+                          </a:pPr>
+                          <a:r>
+                            <a:rPr lang="en-PH" b="1">
+                              <a:solidFill>
+                                <a:schemeClr val="bg1"/>
+                              </a:solidFill>
+                            </a:rPr>
+                            <a:t>Step</a:t>
+                          </a:r>
+                        </a:p>
+                      </a:txBody>
+                      <a:tcPr anchor="ctr">
+                        <a:lnL w="12700" cap="flat" cmpd="sng" algn="ctr">
+                          <a:solidFill>
+                            <a:schemeClr val="tx1"/>
+                          </a:solidFill>
+                          <a:prstDash val="solid"/>
+                          <a:round/>
+                          <a:headEnd type="none" w="med" len="med"/>
+                          <a:tailEnd type="none" w="med" len="med"/>
+                        </a:lnL>
+                        <a:lnR w="12700" cap="flat" cmpd="sng" algn="ctr">
+                          <a:solidFill>
+                            <a:schemeClr val="tx1"/>
+                          </a:solidFill>
+                          <a:prstDash val="solid"/>
+                          <a:round/>
+                          <a:headEnd type="none" w="med" len="med"/>
+                          <a:tailEnd type="none" w="med" len="med"/>
+                        </a:lnR>
+                        <a:lnT w="12700" cap="flat" cmpd="sng" algn="ctr">
+                          <a:solidFill>
+                            <a:schemeClr val="tx1"/>
+                          </a:solidFill>
+                          <a:prstDash val="solid"/>
+                          <a:round/>
+                          <a:headEnd type="none" w="med" len="med"/>
+                          <a:tailEnd type="none" w="med" len="med"/>
+                        </a:lnT>
+                        <a:lnB w="12700" cap="flat" cmpd="sng" algn="ctr">
+                          <a:solidFill>
+                            <a:schemeClr val="tx1"/>
+                          </a:solidFill>
+                          <a:prstDash val="solid"/>
+                          <a:round/>
+                          <a:headEnd type="none" w="med" len="med"/>
+                          <a:tailEnd type="none" w="med" len="med"/>
+                        </a:lnB>
+                        <a:solidFill>
+                          <a:schemeClr val="tx1"/>
+                        </a:solidFill>
+                      </a:tcPr>
+                    </a:tc>
+                    <a:tc>
+                      <a:txBody>
+                        <a:bodyPr/>
+                        <a:lstStyle/>
+                        <a:p>
+                          <a:pPr algn="ctr">
+                            <a:buNone/>
+                          </a:pPr>
+                          <a:r>
+                            <a:rPr lang="en-US" b="1">
+                              <a:solidFill>
+                                <a:schemeClr val="bg1"/>
+                              </a:solidFill>
+                            </a:rPr>
+                            <a:t>State (Player Sum, Dealer, Usable Ace)</a:t>
+                          </a:r>
+                        </a:p>
+                      </a:txBody>
+                      <a:tcPr anchor="ctr">
+                        <a:lnL w="12700" cap="flat" cmpd="sng" algn="ctr">
+                          <a:solidFill>
+                            <a:schemeClr val="tx1"/>
+                          </a:solidFill>
+                          <a:prstDash val="solid"/>
+                          <a:round/>
+                          <a:headEnd type="none" w="med" len="med"/>
+                          <a:tailEnd type="none" w="med" len="med"/>
+                        </a:lnL>
+                        <a:lnR w="12700" cap="flat" cmpd="sng" algn="ctr">
+                          <a:solidFill>
+                            <a:schemeClr val="tx1"/>
+                          </a:solidFill>
+                          <a:prstDash val="solid"/>
+                          <a:round/>
+                          <a:headEnd type="none" w="med" len="med"/>
+                          <a:tailEnd type="none" w="med" len="med"/>
+                        </a:lnR>
+                        <a:lnT w="12700" cap="flat" cmpd="sng" algn="ctr">
+                          <a:solidFill>
+                            <a:schemeClr val="tx1"/>
+                          </a:solidFill>
+                          <a:prstDash val="solid"/>
+                          <a:round/>
+                          <a:headEnd type="none" w="med" len="med"/>
+                          <a:tailEnd type="none" w="med" len="med"/>
+                        </a:lnT>
+                        <a:lnB w="12700" cap="flat" cmpd="sng" algn="ctr">
+                          <a:solidFill>
+                            <a:schemeClr val="tx1"/>
+                          </a:solidFill>
+                          <a:prstDash val="solid"/>
+                          <a:round/>
+                          <a:headEnd type="none" w="med" len="med"/>
+                          <a:tailEnd type="none" w="med" len="med"/>
+                        </a:lnB>
+                        <a:solidFill>
+                          <a:schemeClr val="tx1"/>
+                        </a:solidFill>
+                      </a:tcPr>
+                    </a:tc>
+                    <a:tc>
+                      <a:txBody>
+                        <a:bodyPr/>
+                        <a:lstStyle/>
+                        <a:p>
+                          <a:endParaRPr lang="en-US"/>
+                        </a:p>
+                      </a:txBody>
+                      <a:tcPr anchor="ctr">
+                        <a:lnL w="12700" cap="flat" cmpd="sng" algn="ctr">
+                          <a:solidFill>
+                            <a:schemeClr val="tx1"/>
+                          </a:solidFill>
+                          <a:prstDash val="solid"/>
+                          <a:round/>
+                          <a:headEnd type="none" w="med" len="med"/>
+                          <a:tailEnd type="none" w="med" len="med"/>
+                        </a:lnL>
+                        <a:lnR w="12700" cap="flat" cmpd="sng" algn="ctr">
+                          <a:solidFill>
+                            <a:schemeClr val="tx1"/>
+                          </a:solidFill>
+                          <a:prstDash val="solid"/>
+                          <a:round/>
+                          <a:headEnd type="none" w="med" len="med"/>
+                          <a:tailEnd type="none" w="med" len="med"/>
+                        </a:lnR>
+                        <a:lnT w="12700" cap="flat" cmpd="sng" algn="ctr">
+                          <a:solidFill>
+                            <a:schemeClr val="tx1"/>
+                          </a:solidFill>
+                          <a:prstDash val="solid"/>
+                          <a:round/>
+                          <a:headEnd type="none" w="med" len="med"/>
+                          <a:tailEnd type="none" w="med" len="med"/>
+                        </a:lnT>
+                        <a:lnB w="12700" cap="flat" cmpd="sng" algn="ctr">
+                          <a:solidFill>
+                            <a:schemeClr val="tx1"/>
+                          </a:solidFill>
+                          <a:prstDash val="solid"/>
+                          <a:round/>
+                          <a:headEnd type="none" w="med" len="med"/>
+                          <a:tailEnd type="none" w="med" len="med"/>
+                        </a:lnB>
+                        <a:blipFill>
+                          <a:blip r:embed="rId2"/>
+                          <a:stretch>
+                            <a:fillRect l="-199711" t="-2649" r="-200000" b="-90728"/>
+                          </a:stretch>
+                        </a:blipFill>
+                      </a:tcPr>
+                    </a:tc>
+                    <a:tc>
+                      <a:txBody>
+                        <a:bodyPr/>
+                        <a:lstStyle/>
+                        <a:p>
+                          <a:endParaRPr lang="en-US"/>
+                        </a:p>
+                      </a:txBody>
+                      <a:tcPr anchor="ctr">
+                        <a:lnL w="12700" cap="flat" cmpd="sng" algn="ctr">
+                          <a:solidFill>
+                            <a:schemeClr val="tx1"/>
+                          </a:solidFill>
+                          <a:prstDash val="solid"/>
+                          <a:round/>
+                          <a:headEnd type="none" w="med" len="med"/>
+                          <a:tailEnd type="none" w="med" len="med"/>
+                        </a:lnL>
+                        <a:lnR w="12700" cap="flat" cmpd="sng" algn="ctr">
+                          <a:solidFill>
+                            <a:schemeClr val="tx1"/>
+                          </a:solidFill>
+                          <a:prstDash val="solid"/>
+                          <a:round/>
+                          <a:headEnd type="none" w="med" len="med"/>
+                          <a:tailEnd type="none" w="med" len="med"/>
+                        </a:lnR>
+                        <a:lnT w="12700" cap="flat" cmpd="sng" algn="ctr">
+                          <a:solidFill>
+                            <a:schemeClr val="tx1"/>
+                          </a:solidFill>
+                          <a:prstDash val="solid"/>
+                          <a:round/>
+                          <a:headEnd type="none" w="med" len="med"/>
+                          <a:tailEnd type="none" w="med" len="med"/>
+                        </a:lnT>
+                        <a:lnB w="12700" cap="flat" cmpd="sng" algn="ctr">
+                          <a:solidFill>
+                            <a:schemeClr val="tx1"/>
+                          </a:solidFill>
+                          <a:prstDash val="solid"/>
+                          <a:round/>
+                          <a:headEnd type="none" w="med" len="med"/>
+                          <a:tailEnd type="none" w="med" len="med"/>
+                        </a:lnB>
+                        <a:blipFill>
+                          <a:blip r:embed="rId2"/>
+                          <a:stretch>
+                            <a:fillRect l="-300580" t="-2649" r="-100580" b="-90728"/>
+                          </a:stretch>
+                        </a:blipFill>
+                      </a:tcPr>
+                    </a:tc>
+                    <a:tc>
+                      <a:txBody>
+                        <a:bodyPr/>
+                        <a:lstStyle/>
+                        <a:p>
+                          <a:pPr algn="ctr">
+                            <a:buNone/>
+                          </a:pPr>
+                          <a:r>
+                            <a:rPr lang="en-PH" b="1" dirty="0">
+                              <a:solidFill>
+                                <a:schemeClr val="bg1"/>
+                              </a:solidFill>
+                            </a:rPr>
+                            <a:t>Next State</a:t>
+                          </a:r>
+                        </a:p>
+                      </a:txBody>
+                      <a:tcPr anchor="ctr">
+                        <a:lnL w="12700" cap="flat" cmpd="sng" algn="ctr">
+                          <a:solidFill>
+                            <a:schemeClr val="tx1"/>
+                          </a:solidFill>
+                          <a:prstDash val="solid"/>
+                          <a:round/>
+                          <a:headEnd type="none" w="med" len="med"/>
+                          <a:tailEnd type="none" w="med" len="med"/>
+                        </a:lnL>
+                        <a:lnR w="12700" cap="flat" cmpd="sng" algn="ctr">
+                          <a:solidFill>
+                            <a:schemeClr val="tx1"/>
+                          </a:solidFill>
+                          <a:prstDash val="solid"/>
+                          <a:round/>
+                          <a:headEnd type="none" w="med" len="med"/>
+                          <a:tailEnd type="none" w="med" len="med"/>
+                        </a:lnR>
+                        <a:lnT w="12700" cap="flat" cmpd="sng" algn="ctr">
+                          <a:solidFill>
+                            <a:schemeClr val="tx1"/>
+                          </a:solidFill>
+                          <a:prstDash val="solid"/>
+                          <a:round/>
+                          <a:headEnd type="none" w="med" len="med"/>
+                          <a:tailEnd type="none" w="med" len="med"/>
+                        </a:lnT>
+                        <a:lnB w="12700" cap="flat" cmpd="sng" algn="ctr">
+                          <a:solidFill>
+                            <a:schemeClr val="tx1"/>
+                          </a:solidFill>
+                          <a:prstDash val="solid"/>
+                          <a:round/>
+                          <a:headEnd type="none" w="med" len="med"/>
+                          <a:tailEnd type="none" w="med" len="med"/>
+                        </a:lnB>
+                        <a:solidFill>
+                          <a:schemeClr val="tx1"/>
+                        </a:solidFill>
+                      </a:tcPr>
+                    </a:tc>
+                    <a:extLst>
+                      <a:ext uri="{0D108BD9-81ED-4DB2-BD59-A6C34878D82A}">
+                        <a16:rowId xmlns:a16="http://schemas.microsoft.com/office/drawing/2014/main" val="1096789719"/>
+                      </a:ext>
+                    </a:extLst>
+                  </a:tr>
+                  <a:tr h="365760">
+                    <a:tc>
+                      <a:txBody>
+                        <a:bodyPr/>
+                        <a:lstStyle/>
+                        <a:p>
+                          <a:pPr algn="ctr">
+                            <a:buNone/>
+                          </a:pPr>
+                          <a:r>
+                            <a:rPr lang="en-PH"/>
+                            <a:t>1</a:t>
+                          </a:r>
+                        </a:p>
+                      </a:txBody>
+                      <a:tcPr anchor="ctr">
+                        <a:lnL w="12700" cap="flat" cmpd="sng" algn="ctr">
+                          <a:solidFill>
+                            <a:schemeClr val="tx1"/>
+                          </a:solidFill>
+                          <a:prstDash val="solid"/>
+                          <a:round/>
+                          <a:headEnd type="none" w="med" len="med"/>
+                          <a:tailEnd type="none" w="med" len="med"/>
+                        </a:lnL>
+                        <a:lnR w="12700" cap="flat" cmpd="sng" algn="ctr">
+                          <a:solidFill>
+                            <a:schemeClr val="tx1"/>
+                          </a:solidFill>
+                          <a:prstDash val="solid"/>
+                          <a:round/>
+                          <a:headEnd type="none" w="med" len="med"/>
+                          <a:tailEnd type="none" w="med" len="med"/>
+                        </a:lnR>
+                        <a:lnT w="12700" cap="flat" cmpd="sng" algn="ctr">
+                          <a:solidFill>
+                            <a:schemeClr val="tx1"/>
+                          </a:solidFill>
+                          <a:prstDash val="solid"/>
+                          <a:round/>
+                          <a:headEnd type="none" w="med" len="med"/>
+                          <a:tailEnd type="none" w="med" len="med"/>
+                        </a:lnT>
+                        <a:lnB w="12700" cap="flat" cmpd="sng" algn="ctr">
+                          <a:solidFill>
+                            <a:schemeClr val="tx1"/>
+                          </a:solidFill>
+                          <a:prstDash val="solid"/>
+                          <a:round/>
+                          <a:headEnd type="none" w="med" len="med"/>
+                          <a:tailEnd type="none" w="med" len="med"/>
+                        </a:lnB>
+                        <a:noFill/>
+                      </a:tcPr>
+                    </a:tc>
+                    <a:tc>
+                      <a:txBody>
+                        <a:bodyPr/>
+                        <a:lstStyle/>
+                        <a:p>
+                          <a:pPr algn="ctr">
+                            <a:buNone/>
+                          </a:pPr>
+                          <a:r>
+                            <a:rPr lang="en-PH"/>
+                            <a:t>(15, 10, False)</a:t>
+                          </a:r>
+                        </a:p>
+                      </a:txBody>
+                      <a:tcPr anchor="ctr">
+                        <a:lnL w="12700" cap="flat" cmpd="sng" algn="ctr">
+                          <a:solidFill>
+                            <a:schemeClr val="tx1"/>
+                          </a:solidFill>
+                          <a:prstDash val="solid"/>
+                          <a:round/>
+                          <a:headEnd type="none" w="med" len="med"/>
+                          <a:tailEnd type="none" w="med" len="med"/>
+                        </a:lnL>
+                        <a:lnR w="12700" cap="flat" cmpd="sng" algn="ctr">
+                          <a:solidFill>
+                            <a:schemeClr val="tx1"/>
+                          </a:solidFill>
+                          <a:prstDash val="solid"/>
+                          <a:round/>
+                          <a:headEnd type="none" w="med" len="med"/>
+                          <a:tailEnd type="none" w="med" len="med"/>
+                        </a:lnR>
+                        <a:lnT w="12700" cap="flat" cmpd="sng" algn="ctr">
+                          <a:solidFill>
+                            <a:schemeClr val="tx1"/>
+                          </a:solidFill>
+                          <a:prstDash val="solid"/>
+                          <a:round/>
+                          <a:headEnd type="none" w="med" len="med"/>
+                          <a:tailEnd type="none" w="med" len="med"/>
+                        </a:lnT>
+                        <a:lnB w="12700" cap="flat" cmpd="sng" algn="ctr">
+                          <a:solidFill>
+                            <a:schemeClr val="tx1"/>
+                          </a:solidFill>
+                          <a:prstDash val="solid"/>
+                          <a:round/>
+                          <a:headEnd type="none" w="med" len="med"/>
+                          <a:tailEnd type="none" w="med" len="med"/>
+                        </a:lnB>
+                        <a:noFill/>
+                      </a:tcPr>
+                    </a:tc>
+                    <a:tc>
+                      <a:txBody>
+                        <a:bodyPr/>
+                        <a:lstStyle/>
+                        <a:p>
+                          <a:pPr algn="ctr">
+                            <a:buNone/>
+                          </a:pPr>
+                          <a:r>
+                            <a:rPr lang="en-PH"/>
+                            <a:t>Hit</a:t>
+                          </a:r>
+                        </a:p>
+                      </a:txBody>
+                      <a:tcPr anchor="ctr">
+                        <a:lnL w="12700" cap="flat" cmpd="sng" algn="ctr">
+                          <a:solidFill>
+                            <a:schemeClr val="tx1"/>
+                          </a:solidFill>
+                          <a:prstDash val="solid"/>
+                          <a:round/>
+                          <a:headEnd type="none" w="med" len="med"/>
+                          <a:tailEnd type="none" w="med" len="med"/>
+                        </a:lnL>
+                        <a:lnR w="12700" cap="flat" cmpd="sng" algn="ctr">
+                          <a:solidFill>
+                            <a:schemeClr val="tx1"/>
+                          </a:solidFill>
+                          <a:prstDash val="solid"/>
+                          <a:round/>
+                          <a:headEnd type="none" w="med" len="med"/>
+                          <a:tailEnd type="none" w="med" len="med"/>
+                        </a:lnR>
+                        <a:lnT w="12700" cap="flat" cmpd="sng" algn="ctr">
+                          <a:solidFill>
+                            <a:schemeClr val="tx1"/>
+                          </a:solidFill>
+                          <a:prstDash val="solid"/>
+                          <a:round/>
+                          <a:headEnd type="none" w="med" len="med"/>
+                          <a:tailEnd type="none" w="med" len="med"/>
+                        </a:lnT>
+                        <a:lnB w="12700" cap="flat" cmpd="sng" algn="ctr">
+                          <a:solidFill>
+                            <a:schemeClr val="tx1"/>
+                          </a:solidFill>
+                          <a:prstDash val="solid"/>
+                          <a:round/>
+                          <a:headEnd type="none" w="med" len="med"/>
+                          <a:tailEnd type="none" w="med" len="med"/>
+                        </a:lnB>
+                        <a:noFill/>
+                      </a:tcPr>
+                    </a:tc>
+                    <a:tc>
+                      <a:txBody>
+                        <a:bodyPr/>
+                        <a:lstStyle/>
+                        <a:p>
+                          <a:pPr algn="ctr">
+                            <a:buNone/>
+                          </a:pPr>
+                          <a:r>
+                            <a:rPr lang="en-PH"/>
+                            <a:t>0</a:t>
+                          </a:r>
+                        </a:p>
+                      </a:txBody>
+                      <a:tcPr anchor="ctr">
+                        <a:lnL w="12700" cap="flat" cmpd="sng" algn="ctr">
+                          <a:solidFill>
+                            <a:schemeClr val="tx1"/>
+                          </a:solidFill>
+                          <a:prstDash val="solid"/>
+                          <a:round/>
+                          <a:headEnd type="none" w="med" len="med"/>
+                          <a:tailEnd type="none" w="med" len="med"/>
+                        </a:lnL>
+                        <a:lnR w="12700" cap="flat" cmpd="sng" algn="ctr">
+                          <a:solidFill>
+                            <a:schemeClr val="tx1"/>
+                          </a:solidFill>
+                          <a:prstDash val="solid"/>
+                          <a:round/>
+                          <a:headEnd type="none" w="med" len="med"/>
+                          <a:tailEnd type="none" w="med" len="med"/>
+                        </a:lnR>
+                        <a:lnT w="12700" cap="flat" cmpd="sng" algn="ctr">
+                          <a:solidFill>
+                            <a:schemeClr val="tx1"/>
+                          </a:solidFill>
+                          <a:prstDash val="solid"/>
+                          <a:round/>
+                          <a:headEnd type="none" w="med" len="med"/>
+                          <a:tailEnd type="none" w="med" len="med"/>
+                        </a:lnT>
+                        <a:lnB w="12700" cap="flat" cmpd="sng" algn="ctr">
+                          <a:solidFill>
+                            <a:schemeClr val="tx1"/>
+                          </a:solidFill>
+                          <a:prstDash val="solid"/>
+                          <a:round/>
+                          <a:headEnd type="none" w="med" len="med"/>
+                          <a:tailEnd type="none" w="med" len="med"/>
+                        </a:lnB>
+                        <a:noFill/>
+                      </a:tcPr>
+                    </a:tc>
+                    <a:tc>
+                      <a:txBody>
+                        <a:bodyPr/>
+                        <a:lstStyle/>
+                        <a:p>
+                          <a:pPr algn="ctr">
+                            <a:buNone/>
+                          </a:pPr>
+                          <a:r>
+                            <a:rPr lang="en-PH"/>
+                            <a:t>(19, 10, F)</a:t>
+                          </a:r>
+                        </a:p>
+                      </a:txBody>
+                      <a:tcPr anchor="ctr">
+                        <a:lnL w="12700" cap="flat" cmpd="sng" algn="ctr">
+                          <a:solidFill>
+                            <a:schemeClr val="tx1"/>
+                          </a:solidFill>
+                          <a:prstDash val="solid"/>
+                          <a:round/>
+                          <a:headEnd type="none" w="med" len="med"/>
+                          <a:tailEnd type="none" w="med" len="med"/>
+                        </a:lnL>
+                        <a:lnR w="12700" cap="flat" cmpd="sng" algn="ctr">
+                          <a:solidFill>
+                            <a:schemeClr val="tx1"/>
+                          </a:solidFill>
+                          <a:prstDash val="solid"/>
+                          <a:round/>
+                          <a:headEnd type="none" w="med" len="med"/>
+                          <a:tailEnd type="none" w="med" len="med"/>
+                        </a:lnR>
+                        <a:lnT w="12700" cap="flat" cmpd="sng" algn="ctr">
+                          <a:solidFill>
+                            <a:schemeClr val="tx1"/>
+                          </a:solidFill>
+                          <a:prstDash val="solid"/>
+                          <a:round/>
+                          <a:headEnd type="none" w="med" len="med"/>
+                          <a:tailEnd type="none" w="med" len="med"/>
+                        </a:lnT>
+                        <a:lnB w="12700" cap="flat" cmpd="sng" algn="ctr">
+                          <a:solidFill>
+                            <a:schemeClr val="tx1"/>
+                          </a:solidFill>
+                          <a:prstDash val="solid"/>
+                          <a:round/>
+                          <a:headEnd type="none" w="med" len="med"/>
+                          <a:tailEnd type="none" w="med" len="med"/>
+                        </a:lnB>
+                        <a:noFill/>
+                      </a:tcPr>
+                    </a:tc>
+                    <a:extLst>
+                      <a:ext uri="{0D108BD9-81ED-4DB2-BD59-A6C34878D82A}">
+                        <a16:rowId xmlns:a16="http://schemas.microsoft.com/office/drawing/2014/main" val="2671781212"/>
+                      </a:ext>
+                    </a:extLst>
+                  </a:tr>
+                  <a:tr h="365760">
+                    <a:tc>
+                      <a:txBody>
+                        <a:bodyPr/>
+                        <a:lstStyle/>
+                        <a:p>
+                          <a:pPr algn="ctr">
+                            <a:buNone/>
+                          </a:pPr>
+                          <a:r>
+                            <a:rPr lang="en-PH"/>
+                            <a:t>2</a:t>
+                          </a:r>
+                        </a:p>
+                      </a:txBody>
+                      <a:tcPr anchor="ctr">
+                        <a:lnL w="12700" cap="flat" cmpd="sng" algn="ctr">
+                          <a:solidFill>
+                            <a:schemeClr val="tx1"/>
+                          </a:solidFill>
+                          <a:prstDash val="solid"/>
+                          <a:round/>
+                          <a:headEnd type="none" w="med" len="med"/>
+                          <a:tailEnd type="none" w="med" len="med"/>
+                        </a:lnL>
+                        <a:lnR w="12700" cap="flat" cmpd="sng" algn="ctr">
+                          <a:solidFill>
+                            <a:schemeClr val="tx1"/>
+                          </a:solidFill>
+                          <a:prstDash val="solid"/>
+                          <a:round/>
+                          <a:headEnd type="none" w="med" len="med"/>
+                          <a:tailEnd type="none" w="med" len="med"/>
+                        </a:lnR>
+                        <a:lnT w="12700" cap="flat" cmpd="sng" algn="ctr">
+                          <a:solidFill>
+                            <a:schemeClr val="tx1"/>
+                          </a:solidFill>
+                          <a:prstDash val="solid"/>
+                          <a:round/>
+                          <a:headEnd type="none" w="med" len="med"/>
+                          <a:tailEnd type="none" w="med" len="med"/>
+                        </a:lnT>
+                        <a:lnB w="12700" cap="flat" cmpd="sng" algn="ctr">
+                          <a:solidFill>
+                            <a:schemeClr val="tx1"/>
+                          </a:solidFill>
+                          <a:prstDash val="solid"/>
+                          <a:round/>
+                          <a:headEnd type="none" w="med" len="med"/>
+                          <a:tailEnd type="none" w="med" len="med"/>
+                        </a:lnB>
+                        <a:noFill/>
+                      </a:tcPr>
+                    </a:tc>
+                    <a:tc>
+                      <a:txBody>
+                        <a:bodyPr/>
+                        <a:lstStyle/>
+                        <a:p>
+                          <a:pPr algn="ctr">
+                            <a:buNone/>
+                          </a:pPr>
+                          <a:r>
+                            <a:rPr lang="en-PH"/>
+                            <a:t>(19, 10, False)</a:t>
+                          </a:r>
+                        </a:p>
+                      </a:txBody>
+                      <a:tcPr anchor="ctr">
+                        <a:lnL w="12700" cap="flat" cmpd="sng" algn="ctr">
+                          <a:solidFill>
+                            <a:schemeClr val="tx1"/>
+                          </a:solidFill>
+                          <a:prstDash val="solid"/>
+                          <a:round/>
+                          <a:headEnd type="none" w="med" len="med"/>
+                          <a:tailEnd type="none" w="med" len="med"/>
+                        </a:lnL>
+                        <a:lnR w="12700" cap="flat" cmpd="sng" algn="ctr">
+                          <a:solidFill>
+                            <a:schemeClr val="tx1"/>
+                          </a:solidFill>
+                          <a:prstDash val="solid"/>
+                          <a:round/>
+                          <a:headEnd type="none" w="med" len="med"/>
+                          <a:tailEnd type="none" w="med" len="med"/>
+                        </a:lnR>
+                        <a:lnT w="12700" cap="flat" cmpd="sng" algn="ctr">
+                          <a:solidFill>
+                            <a:schemeClr val="tx1"/>
+                          </a:solidFill>
+                          <a:prstDash val="solid"/>
+                          <a:round/>
+                          <a:headEnd type="none" w="med" len="med"/>
+                          <a:tailEnd type="none" w="med" len="med"/>
+                        </a:lnT>
+                        <a:lnB w="12700" cap="flat" cmpd="sng" algn="ctr">
+                          <a:solidFill>
+                            <a:schemeClr val="tx1"/>
+                          </a:solidFill>
+                          <a:prstDash val="solid"/>
+                          <a:round/>
+                          <a:headEnd type="none" w="med" len="med"/>
+                          <a:tailEnd type="none" w="med" len="med"/>
+                        </a:lnB>
+                        <a:noFill/>
+                      </a:tcPr>
+                    </a:tc>
+                    <a:tc>
+                      <a:txBody>
+                        <a:bodyPr/>
+                        <a:lstStyle/>
+                        <a:p>
+                          <a:pPr algn="ctr">
+                            <a:buNone/>
+                          </a:pPr>
+                          <a:r>
+                            <a:rPr lang="en-PH"/>
+                            <a:t>Hit</a:t>
+                          </a:r>
+                        </a:p>
+                      </a:txBody>
+                      <a:tcPr anchor="ctr">
+                        <a:lnL w="12700" cap="flat" cmpd="sng" algn="ctr">
+                          <a:solidFill>
+                            <a:schemeClr val="tx1"/>
+                          </a:solidFill>
+                          <a:prstDash val="solid"/>
+                          <a:round/>
+                          <a:headEnd type="none" w="med" len="med"/>
+                          <a:tailEnd type="none" w="med" len="med"/>
+                        </a:lnL>
+                        <a:lnR w="12700" cap="flat" cmpd="sng" algn="ctr">
+                          <a:solidFill>
+                            <a:schemeClr val="tx1"/>
+                          </a:solidFill>
+                          <a:prstDash val="solid"/>
+                          <a:round/>
+                          <a:headEnd type="none" w="med" len="med"/>
+                          <a:tailEnd type="none" w="med" len="med"/>
+                        </a:lnR>
+                        <a:lnT w="12700" cap="flat" cmpd="sng" algn="ctr">
+                          <a:solidFill>
+                            <a:schemeClr val="tx1"/>
+                          </a:solidFill>
+                          <a:prstDash val="solid"/>
+                          <a:round/>
+                          <a:headEnd type="none" w="med" len="med"/>
+                          <a:tailEnd type="none" w="med" len="med"/>
+                        </a:lnT>
+                        <a:lnB w="12700" cap="flat" cmpd="sng" algn="ctr">
+                          <a:solidFill>
+                            <a:schemeClr val="tx1"/>
+                          </a:solidFill>
+                          <a:prstDash val="solid"/>
+                          <a:round/>
+                          <a:headEnd type="none" w="med" len="med"/>
+                          <a:tailEnd type="none" w="med" len="med"/>
+                        </a:lnB>
+                        <a:noFill/>
+                      </a:tcPr>
+                    </a:tc>
+                    <a:tc>
+                      <a:txBody>
+                        <a:bodyPr/>
+                        <a:lstStyle/>
+                        <a:p>
+                          <a:pPr algn="ctr">
+                            <a:buNone/>
+                          </a:pPr>
+                          <a:r>
+                            <a:rPr lang="en-PH"/>
+                            <a:t>–1</a:t>
+                          </a:r>
+                        </a:p>
+                      </a:txBody>
+                      <a:tcPr anchor="ctr">
+                        <a:lnL w="12700" cap="flat" cmpd="sng" algn="ctr">
+                          <a:solidFill>
+                            <a:schemeClr val="tx1"/>
+                          </a:solidFill>
+                          <a:prstDash val="solid"/>
+                          <a:round/>
+                          <a:headEnd type="none" w="med" len="med"/>
+                          <a:tailEnd type="none" w="med" len="med"/>
+                        </a:lnL>
+                        <a:lnR w="12700" cap="flat" cmpd="sng" algn="ctr">
+                          <a:solidFill>
+                            <a:schemeClr val="tx1"/>
+                          </a:solidFill>
+                          <a:prstDash val="solid"/>
+                          <a:round/>
+                          <a:headEnd type="none" w="med" len="med"/>
+                          <a:tailEnd type="none" w="med" len="med"/>
+                        </a:lnR>
+                        <a:lnT w="12700" cap="flat" cmpd="sng" algn="ctr">
+                          <a:solidFill>
+                            <a:schemeClr val="tx1"/>
+                          </a:solidFill>
+                          <a:prstDash val="solid"/>
+                          <a:round/>
+                          <a:headEnd type="none" w="med" len="med"/>
+                          <a:tailEnd type="none" w="med" len="med"/>
+                        </a:lnT>
+                        <a:lnB w="12700" cap="flat" cmpd="sng" algn="ctr">
+                          <a:solidFill>
+                            <a:schemeClr val="tx1"/>
+                          </a:solidFill>
+                          <a:prstDash val="solid"/>
+                          <a:round/>
+                          <a:headEnd type="none" w="med" len="med"/>
+                          <a:tailEnd type="none" w="med" len="med"/>
+                        </a:lnB>
+                        <a:noFill/>
+                      </a:tcPr>
+                    </a:tc>
+                    <a:tc>
+                      <a:txBody>
+                        <a:bodyPr/>
+                        <a:lstStyle/>
+                        <a:p>
+                          <a:pPr algn="ctr">
+                            <a:buNone/>
+                          </a:pPr>
+                          <a:r>
+                            <a:rPr lang="en-PH" dirty="0"/>
+                            <a:t>BUST</a:t>
+                          </a:r>
+                        </a:p>
+                      </a:txBody>
+                      <a:tcPr anchor="ctr">
+                        <a:lnL w="12700" cap="flat" cmpd="sng" algn="ctr">
+                          <a:solidFill>
+                            <a:schemeClr val="tx1"/>
+                          </a:solidFill>
+                          <a:prstDash val="solid"/>
+                          <a:round/>
+                          <a:headEnd type="none" w="med" len="med"/>
+                          <a:tailEnd type="none" w="med" len="med"/>
+                        </a:lnL>
+                        <a:lnR w="12700" cap="flat" cmpd="sng" algn="ctr">
+                          <a:solidFill>
+                            <a:schemeClr val="tx1"/>
+                          </a:solidFill>
+                          <a:prstDash val="solid"/>
+                          <a:round/>
+                          <a:headEnd type="none" w="med" len="med"/>
+                          <a:tailEnd type="none" w="med" len="med"/>
+                        </a:lnR>
+                        <a:lnT w="12700" cap="flat" cmpd="sng" algn="ctr">
+                          <a:solidFill>
+                            <a:schemeClr val="tx1"/>
+                          </a:solidFill>
+                          <a:prstDash val="solid"/>
+                          <a:round/>
+                          <a:headEnd type="none" w="med" len="med"/>
+                          <a:tailEnd type="none" w="med" len="med"/>
+                        </a:lnT>
+                        <a:lnB w="12700" cap="flat" cmpd="sng" algn="ctr">
+                          <a:solidFill>
+                            <a:schemeClr val="tx1"/>
+                          </a:solidFill>
+                          <a:prstDash val="solid"/>
+                          <a:round/>
+                          <a:headEnd type="none" w="med" len="med"/>
+                          <a:tailEnd type="none" w="med" len="med"/>
+                        </a:lnB>
+                        <a:noFill/>
+                      </a:tcPr>
+                    </a:tc>
+                    <a:extLst>
+                      <a:ext uri="{0D108BD9-81ED-4DB2-BD59-A6C34878D82A}">
+                        <a16:rowId xmlns:a16="http://schemas.microsoft.com/office/drawing/2014/main" val="3486677455"/>
+                      </a:ext>
+                    </a:extLst>
+                  </a:tr>
+                </a:tbl>
+              </a:graphicData>
+            </a:graphic>
+          </p:graphicFrame>
+        </mc:Fallback>
+      </mc:AlternateContent>
+    </p:spTree>
+    <p:extLst>
+      <p:ext uri="{BB962C8B-B14F-4D97-AF65-F5344CB8AC3E}">
+        <p14:creationId xmlns:p14="http://schemas.microsoft.com/office/powerpoint/2010/main" val="1359982073"/>
+      </p:ext>
+    </p:extLst>
+  </p:cSld>
+  <p:clrMapOvr>
+    <a:masterClrMapping/>
+  </p:clrMapOvr>
+</p:sld>
+</file>
+
 <file path=ppt/slides/slide2.xml><?xml version="1.0" encoding="utf-8"?>
 <p:sld xmlns:a="http://schemas.openxmlformats.org/drawingml/2006/main" xmlns:r="http://schemas.openxmlformats.org/officeDocument/2006/relationships" xmlns:p="http://schemas.openxmlformats.org/presentationml/2006/main">
   <p:cSld>
@@ -20432,7 +22382,7 @@
           <a:p>
             <a:r>
               <a:rPr lang="en-PH" b="1" dirty="0"/>
-              <a:t>Example Episodes</a:t>
+              <a:t>Example Episode: Player Loses</a:t>
             </a:r>
           </a:p>
         </p:txBody>
